--- a/MATLAB_Quant_book/Chapter 13/Turtle Trading.pptx
+++ b/MATLAB_Quant_book/Chapter 13/Turtle Trading.pptx
@@ -27237,7 +27237,12 @@
             <p:ph type="title"/>
           </p:nvPr>
         </p:nvSpPr>
-        <p:spPr/>
+        <p:spPr>
+          <a:xfrm>
+            <a:off x="838200" y="0"/>
+            <a:ext cx="10515600" cy="1325563"/>
+          </a:xfrm>
+        </p:spPr>
         <p:txBody>
           <a:bodyPr/>
           <a:lstStyle/>
@@ -27256,13 +27261,13 @@
       </p:sp>
       <p:pic>
         <p:nvPicPr>
-          <p:cNvPr id="4" name="內容版面配置區 3"/>
+          <p:cNvPr id="3" name="圖片 2"/>
           <p:cNvPicPr>
             <a:picLocks noChangeAspect="1"/>
           </p:cNvPicPr>
           <p:nvPr/>
         </p:nvPicPr>
-        <p:blipFill>
+        <p:blipFill rotWithShape="1">
           <a:blip r:embed="rId2">
             <a:extLst>
               <a:ext uri="{28A0092B-C50C-407E-A947-70E740481C1C}">
@@ -27270,14 +27275,13 @@
               </a:ext>
             </a:extLst>
           </a:blip>
-          <a:stretch>
-            <a:fillRect/>
-          </a:stretch>
+          <a:srcRect l="9340" t="3814" r="5693" b="5702"/>
+          <a:stretch/>
         </p:blipFill>
         <p:spPr>
           <a:xfrm>
-            <a:off x="1063196" y="1498777"/>
-            <a:ext cx="10065607" cy="4823001"/>
+            <a:off x="916365" y="1061884"/>
+            <a:ext cx="10359269" cy="5515896"/>
           </a:xfrm>
           <a:prstGeom prst="rect">
             <a:avLst/>
